--- a/ppt 16-9/0533.仔细想想.pptx
+++ b/ppt 16-9/0533.仔细想想.pptx
@@ -129,7 +129,7 @@
           <p:cNvPr id="2" name="标题 1">
             <a:extLst>
               <a:ext uri="{FF2B5EF4-FFF2-40B4-BE49-F238E27FC236}">
-                <a16:creationId xmlns:a16="http://schemas.microsoft.com/office/drawing/2014/main" id="{07DAD4D0-9C20-2EC9-544F-79201E980B4A}"/>
+                <a16:creationId xmlns:a16="http://schemas.microsoft.com/office/drawing/2014/main" id="{CC95CEC2-C907-FD12-808A-3C212F3EE845}"/>
               </a:ext>
             </a:extLst>
           </p:cNvPr>
@@ -166,7 +166,7 @@
           <p:cNvPr id="3" name="副标题 2">
             <a:extLst>
               <a:ext uri="{FF2B5EF4-FFF2-40B4-BE49-F238E27FC236}">
-                <a16:creationId xmlns:a16="http://schemas.microsoft.com/office/drawing/2014/main" id="{64ED59F2-F3AE-4A6F-8E3C-5C21B953A3B3}"/>
+                <a16:creationId xmlns:a16="http://schemas.microsoft.com/office/drawing/2014/main" id="{E60E84E3-0DF1-E657-2031-E7C13C8FD648}"/>
               </a:ext>
             </a:extLst>
           </p:cNvPr>
@@ -236,7 +236,7 @@
           <p:cNvPr id="4" name="日期占位符 3">
             <a:extLst>
               <a:ext uri="{FF2B5EF4-FFF2-40B4-BE49-F238E27FC236}">
-                <a16:creationId xmlns:a16="http://schemas.microsoft.com/office/drawing/2014/main" id="{E4A4D5DE-051F-B008-220B-73048F132212}"/>
+                <a16:creationId xmlns:a16="http://schemas.microsoft.com/office/drawing/2014/main" id="{4C167CA2-2130-AEF4-9200-B9AFE888F2B7}"/>
               </a:ext>
             </a:extLst>
           </p:cNvPr>
@@ -252,7 +252,7 @@
           <a:bodyPr/>
           <a:lstStyle/>
           <a:p>
-            <a:fld id="{F65F6224-5100-461C-9026-2C6E00DF664D}" type="datetimeFigureOut">
+            <a:fld id="{E8AC6BC0-7A25-4048-959C-1464B29A619D}" type="datetimeFigureOut">
               <a:rPr lang="zh-CN" altLang="en-US" smtClean="0"/>
               <a:t>2024/3/10</a:t>
             </a:fld>
@@ -265,7 +265,7 @@
           <p:cNvPr id="5" name="页脚占位符 4">
             <a:extLst>
               <a:ext uri="{FF2B5EF4-FFF2-40B4-BE49-F238E27FC236}">
-                <a16:creationId xmlns:a16="http://schemas.microsoft.com/office/drawing/2014/main" id="{58E09E13-10BC-CB5C-426C-C77995E6F6FA}"/>
+                <a16:creationId xmlns:a16="http://schemas.microsoft.com/office/drawing/2014/main" id="{E495B8A8-368F-FACF-D7A0-ED2013D552F8}"/>
               </a:ext>
             </a:extLst>
           </p:cNvPr>
@@ -290,7 +290,7 @@
           <p:cNvPr id="6" name="灯片编号占位符 5">
             <a:extLst>
               <a:ext uri="{FF2B5EF4-FFF2-40B4-BE49-F238E27FC236}">
-                <a16:creationId xmlns:a16="http://schemas.microsoft.com/office/drawing/2014/main" id="{2082B8C4-0E1E-C639-5B71-BF14FA03B578}"/>
+                <a16:creationId xmlns:a16="http://schemas.microsoft.com/office/drawing/2014/main" id="{DCBE45F8-D359-802A-7B2C-38B2DFE9BF16}"/>
               </a:ext>
             </a:extLst>
           </p:cNvPr>
@@ -306,7 +306,7 @@
           <a:bodyPr/>
           <a:lstStyle/>
           <a:p>
-            <a:fld id="{BDAC9E80-46D7-4306-BAE6-8FF668BDE8E5}" type="slidenum">
+            <a:fld id="{97D8B698-5660-4C79-B6D9-69F3210AA439}" type="slidenum">
               <a:rPr lang="zh-CN" altLang="en-US" smtClean="0"/>
               <a:t>‹#›</a:t>
             </a:fld>
@@ -317,7 +317,7 @@
     </p:spTree>
     <p:extLst>
       <p:ext uri="{BB962C8B-B14F-4D97-AF65-F5344CB8AC3E}">
-        <p14:creationId xmlns:p14="http://schemas.microsoft.com/office/powerpoint/2010/main" val="2514938658"/>
+        <p14:creationId xmlns:p14="http://schemas.microsoft.com/office/powerpoint/2010/main" val="2440036129"/>
       </p:ext>
     </p:extLst>
   </p:cSld>
@@ -349,7 +349,7 @@
           <p:cNvPr id="2" name="标题 1">
             <a:extLst>
               <a:ext uri="{FF2B5EF4-FFF2-40B4-BE49-F238E27FC236}">
-                <a16:creationId xmlns:a16="http://schemas.microsoft.com/office/drawing/2014/main" id="{2782D7E5-FA78-CB3E-BF62-78F70771E38B}"/>
+                <a16:creationId xmlns:a16="http://schemas.microsoft.com/office/drawing/2014/main" id="{9CBC149D-1358-3EAA-FBD0-E41468B5B5A2}"/>
               </a:ext>
             </a:extLst>
           </p:cNvPr>
@@ -377,7 +377,7 @@
           <p:cNvPr id="3" name="竖排文字占位符 2">
             <a:extLst>
               <a:ext uri="{FF2B5EF4-FFF2-40B4-BE49-F238E27FC236}">
-                <a16:creationId xmlns:a16="http://schemas.microsoft.com/office/drawing/2014/main" id="{C2C53662-6907-9FF9-BD9B-9D54D03D660A}"/>
+                <a16:creationId xmlns:a16="http://schemas.microsoft.com/office/drawing/2014/main" id="{F13142C1-5AEC-85AE-B87D-2E44B67BCD4E}"/>
               </a:ext>
             </a:extLst>
           </p:cNvPr>
@@ -434,7 +434,7 @@
           <p:cNvPr id="4" name="日期占位符 3">
             <a:extLst>
               <a:ext uri="{FF2B5EF4-FFF2-40B4-BE49-F238E27FC236}">
-                <a16:creationId xmlns:a16="http://schemas.microsoft.com/office/drawing/2014/main" id="{70584B45-3B53-9D1A-AAFB-22B9388518DB}"/>
+                <a16:creationId xmlns:a16="http://schemas.microsoft.com/office/drawing/2014/main" id="{36E4FA5C-7AC3-F60F-26C9-611FF1D528D1}"/>
               </a:ext>
             </a:extLst>
           </p:cNvPr>
@@ -450,7 +450,7 @@
           <a:bodyPr/>
           <a:lstStyle/>
           <a:p>
-            <a:fld id="{F65F6224-5100-461C-9026-2C6E00DF664D}" type="datetimeFigureOut">
+            <a:fld id="{E8AC6BC0-7A25-4048-959C-1464B29A619D}" type="datetimeFigureOut">
               <a:rPr lang="zh-CN" altLang="en-US" smtClean="0"/>
               <a:t>2024/3/10</a:t>
             </a:fld>
@@ -463,7 +463,7 @@
           <p:cNvPr id="5" name="页脚占位符 4">
             <a:extLst>
               <a:ext uri="{FF2B5EF4-FFF2-40B4-BE49-F238E27FC236}">
-                <a16:creationId xmlns:a16="http://schemas.microsoft.com/office/drawing/2014/main" id="{E70266FC-2E57-F0FF-9280-4A71FB842A84}"/>
+                <a16:creationId xmlns:a16="http://schemas.microsoft.com/office/drawing/2014/main" id="{016F8423-9353-E6EC-9D66-68B5F2D1B950}"/>
               </a:ext>
             </a:extLst>
           </p:cNvPr>
@@ -488,7 +488,7 @@
           <p:cNvPr id="6" name="灯片编号占位符 5">
             <a:extLst>
               <a:ext uri="{FF2B5EF4-FFF2-40B4-BE49-F238E27FC236}">
-                <a16:creationId xmlns:a16="http://schemas.microsoft.com/office/drawing/2014/main" id="{36350352-6996-3D0C-A133-6B8D08CAC86D}"/>
+                <a16:creationId xmlns:a16="http://schemas.microsoft.com/office/drawing/2014/main" id="{202CAD31-701D-40AC-02C9-3977ABB2B3F6}"/>
               </a:ext>
             </a:extLst>
           </p:cNvPr>
@@ -504,7 +504,7 @@
           <a:bodyPr/>
           <a:lstStyle/>
           <a:p>
-            <a:fld id="{BDAC9E80-46D7-4306-BAE6-8FF668BDE8E5}" type="slidenum">
+            <a:fld id="{97D8B698-5660-4C79-B6D9-69F3210AA439}" type="slidenum">
               <a:rPr lang="zh-CN" altLang="en-US" smtClean="0"/>
               <a:t>‹#›</a:t>
             </a:fld>
@@ -515,7 +515,7 @@
     </p:spTree>
     <p:extLst>
       <p:ext uri="{BB962C8B-B14F-4D97-AF65-F5344CB8AC3E}">
-        <p14:creationId xmlns:p14="http://schemas.microsoft.com/office/powerpoint/2010/main" val="1857682236"/>
+        <p14:creationId xmlns:p14="http://schemas.microsoft.com/office/powerpoint/2010/main" val="99066976"/>
       </p:ext>
     </p:extLst>
   </p:cSld>
@@ -547,7 +547,7 @@
           <p:cNvPr id="2" name="竖排标题 1">
             <a:extLst>
               <a:ext uri="{FF2B5EF4-FFF2-40B4-BE49-F238E27FC236}">
-                <a16:creationId xmlns:a16="http://schemas.microsoft.com/office/drawing/2014/main" id="{BF32868E-BB96-403E-A580-CB0024734253}"/>
+                <a16:creationId xmlns:a16="http://schemas.microsoft.com/office/drawing/2014/main" id="{36E94B87-4FEB-9B9A-25E5-D361DC6A8B64}"/>
               </a:ext>
             </a:extLst>
           </p:cNvPr>
@@ -580,7 +580,7 @@
           <p:cNvPr id="3" name="竖排文字占位符 2">
             <a:extLst>
               <a:ext uri="{FF2B5EF4-FFF2-40B4-BE49-F238E27FC236}">
-                <a16:creationId xmlns:a16="http://schemas.microsoft.com/office/drawing/2014/main" id="{D305327D-46BD-5A8C-C281-868DF4ABB65E}"/>
+                <a16:creationId xmlns:a16="http://schemas.microsoft.com/office/drawing/2014/main" id="{1ED4F2E9-DAC8-AFE7-B83C-C2B15642A0BA}"/>
               </a:ext>
             </a:extLst>
           </p:cNvPr>
@@ -642,7 +642,7 @@
           <p:cNvPr id="4" name="日期占位符 3">
             <a:extLst>
               <a:ext uri="{FF2B5EF4-FFF2-40B4-BE49-F238E27FC236}">
-                <a16:creationId xmlns:a16="http://schemas.microsoft.com/office/drawing/2014/main" id="{FB47526D-2428-FB0A-A22A-75F8A18684CD}"/>
+                <a16:creationId xmlns:a16="http://schemas.microsoft.com/office/drawing/2014/main" id="{1FF8C3AC-D972-5405-61A6-803342B2FE63}"/>
               </a:ext>
             </a:extLst>
           </p:cNvPr>
@@ -658,7 +658,7 @@
           <a:bodyPr/>
           <a:lstStyle/>
           <a:p>
-            <a:fld id="{F65F6224-5100-461C-9026-2C6E00DF664D}" type="datetimeFigureOut">
+            <a:fld id="{E8AC6BC0-7A25-4048-959C-1464B29A619D}" type="datetimeFigureOut">
               <a:rPr lang="zh-CN" altLang="en-US" smtClean="0"/>
               <a:t>2024/3/10</a:t>
             </a:fld>
@@ -671,7 +671,7 @@
           <p:cNvPr id="5" name="页脚占位符 4">
             <a:extLst>
               <a:ext uri="{FF2B5EF4-FFF2-40B4-BE49-F238E27FC236}">
-                <a16:creationId xmlns:a16="http://schemas.microsoft.com/office/drawing/2014/main" id="{CBED54A6-F8E1-4D3A-2F65-5271C544B982}"/>
+                <a16:creationId xmlns:a16="http://schemas.microsoft.com/office/drawing/2014/main" id="{35684DAB-2404-7556-2906-324FB6165D6C}"/>
               </a:ext>
             </a:extLst>
           </p:cNvPr>
@@ -696,7 +696,7 @@
           <p:cNvPr id="6" name="灯片编号占位符 5">
             <a:extLst>
               <a:ext uri="{FF2B5EF4-FFF2-40B4-BE49-F238E27FC236}">
-                <a16:creationId xmlns:a16="http://schemas.microsoft.com/office/drawing/2014/main" id="{8D61C3BD-6A7E-8B4D-A73E-A8288DE52976}"/>
+                <a16:creationId xmlns:a16="http://schemas.microsoft.com/office/drawing/2014/main" id="{957989F2-DC5C-B4A3-8460-B8FBF3D25596}"/>
               </a:ext>
             </a:extLst>
           </p:cNvPr>
@@ -712,7 +712,7 @@
           <a:bodyPr/>
           <a:lstStyle/>
           <a:p>
-            <a:fld id="{BDAC9E80-46D7-4306-BAE6-8FF668BDE8E5}" type="slidenum">
+            <a:fld id="{97D8B698-5660-4C79-B6D9-69F3210AA439}" type="slidenum">
               <a:rPr lang="zh-CN" altLang="en-US" smtClean="0"/>
               <a:t>‹#›</a:t>
             </a:fld>
@@ -723,7 +723,7 @@
     </p:spTree>
     <p:extLst>
       <p:ext uri="{BB962C8B-B14F-4D97-AF65-F5344CB8AC3E}">
-        <p14:creationId xmlns:p14="http://schemas.microsoft.com/office/powerpoint/2010/main" val="332829255"/>
+        <p14:creationId xmlns:p14="http://schemas.microsoft.com/office/powerpoint/2010/main" val="1324188164"/>
       </p:ext>
     </p:extLst>
   </p:cSld>
@@ -755,7 +755,7 @@
           <p:cNvPr id="2" name="标题 1">
             <a:extLst>
               <a:ext uri="{FF2B5EF4-FFF2-40B4-BE49-F238E27FC236}">
-                <a16:creationId xmlns:a16="http://schemas.microsoft.com/office/drawing/2014/main" id="{395B9B11-3CDC-237F-82CE-2D74E804823C}"/>
+                <a16:creationId xmlns:a16="http://schemas.microsoft.com/office/drawing/2014/main" id="{358AF854-B5E9-6991-0814-33591BA4DBDC}"/>
               </a:ext>
             </a:extLst>
           </p:cNvPr>
@@ -783,7 +783,7 @@
           <p:cNvPr id="3" name="内容占位符 2">
             <a:extLst>
               <a:ext uri="{FF2B5EF4-FFF2-40B4-BE49-F238E27FC236}">
-                <a16:creationId xmlns:a16="http://schemas.microsoft.com/office/drawing/2014/main" id="{7ACC513B-EAFD-708E-E71D-FC8FBA9EF4F2}"/>
+                <a16:creationId xmlns:a16="http://schemas.microsoft.com/office/drawing/2014/main" id="{9A6A009C-C37A-8C61-6D8B-9F3B3EDE7E95}"/>
               </a:ext>
             </a:extLst>
           </p:cNvPr>
@@ -840,7 +840,7 @@
           <p:cNvPr id="4" name="日期占位符 3">
             <a:extLst>
               <a:ext uri="{FF2B5EF4-FFF2-40B4-BE49-F238E27FC236}">
-                <a16:creationId xmlns:a16="http://schemas.microsoft.com/office/drawing/2014/main" id="{8C8FF2DE-14A1-10F1-FF15-8D9F5EC5D329}"/>
+                <a16:creationId xmlns:a16="http://schemas.microsoft.com/office/drawing/2014/main" id="{8592D1BB-3444-EA8C-94E0-9A9B5D975A3B}"/>
               </a:ext>
             </a:extLst>
           </p:cNvPr>
@@ -856,7 +856,7 @@
           <a:bodyPr/>
           <a:lstStyle/>
           <a:p>
-            <a:fld id="{F65F6224-5100-461C-9026-2C6E00DF664D}" type="datetimeFigureOut">
+            <a:fld id="{E8AC6BC0-7A25-4048-959C-1464B29A619D}" type="datetimeFigureOut">
               <a:rPr lang="zh-CN" altLang="en-US" smtClean="0"/>
               <a:t>2024/3/10</a:t>
             </a:fld>
@@ -869,7 +869,7 @@
           <p:cNvPr id="5" name="页脚占位符 4">
             <a:extLst>
               <a:ext uri="{FF2B5EF4-FFF2-40B4-BE49-F238E27FC236}">
-                <a16:creationId xmlns:a16="http://schemas.microsoft.com/office/drawing/2014/main" id="{22410E3E-150A-FDE1-E325-12AC6BBE2247}"/>
+                <a16:creationId xmlns:a16="http://schemas.microsoft.com/office/drawing/2014/main" id="{088788A9-29DA-9A48-C986-E10D4CA30918}"/>
               </a:ext>
             </a:extLst>
           </p:cNvPr>
@@ -894,7 +894,7 @@
           <p:cNvPr id="6" name="灯片编号占位符 5">
             <a:extLst>
               <a:ext uri="{FF2B5EF4-FFF2-40B4-BE49-F238E27FC236}">
-                <a16:creationId xmlns:a16="http://schemas.microsoft.com/office/drawing/2014/main" id="{D0D542D8-C2CE-C721-7A3E-8E0421402D8B}"/>
+                <a16:creationId xmlns:a16="http://schemas.microsoft.com/office/drawing/2014/main" id="{9DE9D746-501C-4490-420F-0970CE5F0E02}"/>
               </a:ext>
             </a:extLst>
           </p:cNvPr>
@@ -910,7 +910,7 @@
           <a:bodyPr/>
           <a:lstStyle/>
           <a:p>
-            <a:fld id="{BDAC9E80-46D7-4306-BAE6-8FF668BDE8E5}" type="slidenum">
+            <a:fld id="{97D8B698-5660-4C79-B6D9-69F3210AA439}" type="slidenum">
               <a:rPr lang="zh-CN" altLang="en-US" smtClean="0"/>
               <a:t>‹#›</a:t>
             </a:fld>
@@ -921,7 +921,7 @@
     </p:spTree>
     <p:extLst>
       <p:ext uri="{BB962C8B-B14F-4D97-AF65-F5344CB8AC3E}">
-        <p14:creationId xmlns:p14="http://schemas.microsoft.com/office/powerpoint/2010/main" val="715879015"/>
+        <p14:creationId xmlns:p14="http://schemas.microsoft.com/office/powerpoint/2010/main" val="1643062121"/>
       </p:ext>
     </p:extLst>
   </p:cSld>
@@ -953,7 +953,7 @@
           <p:cNvPr id="2" name="标题 1">
             <a:extLst>
               <a:ext uri="{FF2B5EF4-FFF2-40B4-BE49-F238E27FC236}">
-                <a16:creationId xmlns:a16="http://schemas.microsoft.com/office/drawing/2014/main" id="{F3CB0F78-59D6-86EB-D427-E7C6FC03A8A5}"/>
+                <a16:creationId xmlns:a16="http://schemas.microsoft.com/office/drawing/2014/main" id="{ED621CFE-79D9-EEC9-E2A7-8FF60A8F68C2}"/>
               </a:ext>
             </a:extLst>
           </p:cNvPr>
@@ -990,7 +990,7 @@
           <p:cNvPr id="3" name="文本占位符 2">
             <a:extLst>
               <a:ext uri="{FF2B5EF4-FFF2-40B4-BE49-F238E27FC236}">
-                <a16:creationId xmlns:a16="http://schemas.microsoft.com/office/drawing/2014/main" id="{774B957E-DDF9-C3D6-FC05-C0066ABDB212}"/>
+                <a16:creationId xmlns:a16="http://schemas.microsoft.com/office/drawing/2014/main" id="{3E8ED91A-04E6-3980-4F96-35D2174FB93F}"/>
               </a:ext>
             </a:extLst>
           </p:cNvPr>
@@ -1115,7 +1115,7 @@
           <p:cNvPr id="4" name="日期占位符 3">
             <a:extLst>
               <a:ext uri="{FF2B5EF4-FFF2-40B4-BE49-F238E27FC236}">
-                <a16:creationId xmlns:a16="http://schemas.microsoft.com/office/drawing/2014/main" id="{ED2BA641-9320-38C9-ADCF-189BDCFA16E7}"/>
+                <a16:creationId xmlns:a16="http://schemas.microsoft.com/office/drawing/2014/main" id="{F587DC32-D24F-FDD9-EF80-E1FC1A414ADB}"/>
               </a:ext>
             </a:extLst>
           </p:cNvPr>
@@ -1131,7 +1131,7 @@
           <a:bodyPr/>
           <a:lstStyle/>
           <a:p>
-            <a:fld id="{F65F6224-5100-461C-9026-2C6E00DF664D}" type="datetimeFigureOut">
+            <a:fld id="{E8AC6BC0-7A25-4048-959C-1464B29A619D}" type="datetimeFigureOut">
               <a:rPr lang="zh-CN" altLang="en-US" smtClean="0"/>
               <a:t>2024/3/10</a:t>
             </a:fld>
@@ -1144,7 +1144,7 @@
           <p:cNvPr id="5" name="页脚占位符 4">
             <a:extLst>
               <a:ext uri="{FF2B5EF4-FFF2-40B4-BE49-F238E27FC236}">
-                <a16:creationId xmlns:a16="http://schemas.microsoft.com/office/drawing/2014/main" id="{21D88524-6DD8-1392-6809-A2888D7ADB9D}"/>
+                <a16:creationId xmlns:a16="http://schemas.microsoft.com/office/drawing/2014/main" id="{5F4015D6-FA12-A89F-85F2-70EB2A649FF5}"/>
               </a:ext>
             </a:extLst>
           </p:cNvPr>
@@ -1169,7 +1169,7 @@
           <p:cNvPr id="6" name="灯片编号占位符 5">
             <a:extLst>
               <a:ext uri="{FF2B5EF4-FFF2-40B4-BE49-F238E27FC236}">
-                <a16:creationId xmlns:a16="http://schemas.microsoft.com/office/drawing/2014/main" id="{D84A80F8-FE48-1CBE-A5EA-A9CAE2BFFAB3}"/>
+                <a16:creationId xmlns:a16="http://schemas.microsoft.com/office/drawing/2014/main" id="{730ADD62-4037-86C6-D983-49F33A4A7B34}"/>
               </a:ext>
             </a:extLst>
           </p:cNvPr>
@@ -1185,7 +1185,7 @@
           <a:bodyPr/>
           <a:lstStyle/>
           <a:p>
-            <a:fld id="{BDAC9E80-46D7-4306-BAE6-8FF668BDE8E5}" type="slidenum">
+            <a:fld id="{97D8B698-5660-4C79-B6D9-69F3210AA439}" type="slidenum">
               <a:rPr lang="zh-CN" altLang="en-US" smtClean="0"/>
               <a:t>‹#›</a:t>
             </a:fld>
@@ -1196,7 +1196,7 @@
     </p:spTree>
     <p:extLst>
       <p:ext uri="{BB962C8B-B14F-4D97-AF65-F5344CB8AC3E}">
-        <p14:creationId xmlns:p14="http://schemas.microsoft.com/office/powerpoint/2010/main" val="3964692494"/>
+        <p14:creationId xmlns:p14="http://schemas.microsoft.com/office/powerpoint/2010/main" val="36855639"/>
       </p:ext>
     </p:extLst>
   </p:cSld>
@@ -1228,7 +1228,7 @@
           <p:cNvPr id="2" name="标题 1">
             <a:extLst>
               <a:ext uri="{FF2B5EF4-FFF2-40B4-BE49-F238E27FC236}">
-                <a16:creationId xmlns:a16="http://schemas.microsoft.com/office/drawing/2014/main" id="{D6F92D91-467C-E80C-5736-1C0D53DE64C4}"/>
+                <a16:creationId xmlns:a16="http://schemas.microsoft.com/office/drawing/2014/main" id="{AC1E5DF3-90F1-EE9A-F328-9514FD99E8B8}"/>
               </a:ext>
             </a:extLst>
           </p:cNvPr>
@@ -1256,7 +1256,7 @@
           <p:cNvPr id="3" name="内容占位符 2">
             <a:extLst>
               <a:ext uri="{FF2B5EF4-FFF2-40B4-BE49-F238E27FC236}">
-                <a16:creationId xmlns:a16="http://schemas.microsoft.com/office/drawing/2014/main" id="{4F0C317D-8D8C-5989-3CB4-8942571C060F}"/>
+                <a16:creationId xmlns:a16="http://schemas.microsoft.com/office/drawing/2014/main" id="{EB116FBA-F661-1414-5F2D-77CE0703559D}"/>
               </a:ext>
             </a:extLst>
           </p:cNvPr>
@@ -1318,7 +1318,7 @@
           <p:cNvPr id="4" name="内容占位符 3">
             <a:extLst>
               <a:ext uri="{FF2B5EF4-FFF2-40B4-BE49-F238E27FC236}">
-                <a16:creationId xmlns:a16="http://schemas.microsoft.com/office/drawing/2014/main" id="{E1DD3338-CB08-1AB8-AB2D-E033CA5B8565}"/>
+                <a16:creationId xmlns:a16="http://schemas.microsoft.com/office/drawing/2014/main" id="{F54A285C-1C18-BCC5-65B8-0B66F689098F}"/>
               </a:ext>
             </a:extLst>
           </p:cNvPr>
@@ -1380,7 +1380,7 @@
           <p:cNvPr id="5" name="日期占位符 4">
             <a:extLst>
               <a:ext uri="{FF2B5EF4-FFF2-40B4-BE49-F238E27FC236}">
-                <a16:creationId xmlns:a16="http://schemas.microsoft.com/office/drawing/2014/main" id="{98932346-829D-4E6D-4F9F-F2F1C15DA92B}"/>
+                <a16:creationId xmlns:a16="http://schemas.microsoft.com/office/drawing/2014/main" id="{55A2E7F3-FF2E-A252-8524-F2BC8A666310}"/>
               </a:ext>
             </a:extLst>
           </p:cNvPr>
@@ -1396,7 +1396,7 @@
           <a:bodyPr/>
           <a:lstStyle/>
           <a:p>
-            <a:fld id="{F65F6224-5100-461C-9026-2C6E00DF664D}" type="datetimeFigureOut">
+            <a:fld id="{E8AC6BC0-7A25-4048-959C-1464B29A619D}" type="datetimeFigureOut">
               <a:rPr lang="zh-CN" altLang="en-US" smtClean="0"/>
               <a:t>2024/3/10</a:t>
             </a:fld>
@@ -1409,7 +1409,7 @@
           <p:cNvPr id="6" name="页脚占位符 5">
             <a:extLst>
               <a:ext uri="{FF2B5EF4-FFF2-40B4-BE49-F238E27FC236}">
-                <a16:creationId xmlns:a16="http://schemas.microsoft.com/office/drawing/2014/main" id="{656B6428-8A57-231D-20EE-09A5BF2C7103}"/>
+                <a16:creationId xmlns:a16="http://schemas.microsoft.com/office/drawing/2014/main" id="{F36308EE-4660-6A9D-40BE-A5BC0CD0049D}"/>
               </a:ext>
             </a:extLst>
           </p:cNvPr>
@@ -1434,7 +1434,7 @@
           <p:cNvPr id="7" name="灯片编号占位符 6">
             <a:extLst>
               <a:ext uri="{FF2B5EF4-FFF2-40B4-BE49-F238E27FC236}">
-                <a16:creationId xmlns:a16="http://schemas.microsoft.com/office/drawing/2014/main" id="{D0076A1A-4C61-A1CC-9695-BBF2C85082FE}"/>
+                <a16:creationId xmlns:a16="http://schemas.microsoft.com/office/drawing/2014/main" id="{000C86C0-2239-2418-291A-374C58E6586B}"/>
               </a:ext>
             </a:extLst>
           </p:cNvPr>
@@ -1450,7 +1450,7 @@
           <a:bodyPr/>
           <a:lstStyle/>
           <a:p>
-            <a:fld id="{BDAC9E80-46D7-4306-BAE6-8FF668BDE8E5}" type="slidenum">
+            <a:fld id="{97D8B698-5660-4C79-B6D9-69F3210AA439}" type="slidenum">
               <a:rPr lang="zh-CN" altLang="en-US" smtClean="0"/>
               <a:t>‹#›</a:t>
             </a:fld>
@@ -1461,7 +1461,7 @@
     </p:spTree>
     <p:extLst>
       <p:ext uri="{BB962C8B-B14F-4D97-AF65-F5344CB8AC3E}">
-        <p14:creationId xmlns:p14="http://schemas.microsoft.com/office/powerpoint/2010/main" val="3581731262"/>
+        <p14:creationId xmlns:p14="http://schemas.microsoft.com/office/powerpoint/2010/main" val="1303818422"/>
       </p:ext>
     </p:extLst>
   </p:cSld>
@@ -1493,7 +1493,7 @@
           <p:cNvPr id="2" name="标题 1">
             <a:extLst>
               <a:ext uri="{FF2B5EF4-FFF2-40B4-BE49-F238E27FC236}">
-                <a16:creationId xmlns:a16="http://schemas.microsoft.com/office/drawing/2014/main" id="{C62FE048-FD99-7567-B1A9-4A792988E4EC}"/>
+                <a16:creationId xmlns:a16="http://schemas.microsoft.com/office/drawing/2014/main" id="{1E9BB78C-3A27-35CF-BF12-A9307B6C13D3}"/>
               </a:ext>
             </a:extLst>
           </p:cNvPr>
@@ -1526,7 +1526,7 @@
           <p:cNvPr id="3" name="文本占位符 2">
             <a:extLst>
               <a:ext uri="{FF2B5EF4-FFF2-40B4-BE49-F238E27FC236}">
-                <a16:creationId xmlns:a16="http://schemas.microsoft.com/office/drawing/2014/main" id="{B6892CCB-A5CF-BCCF-32D5-68B9ACBFE1B8}"/>
+                <a16:creationId xmlns:a16="http://schemas.microsoft.com/office/drawing/2014/main" id="{21B049DA-11BD-A4E3-8939-A1F302431685}"/>
               </a:ext>
             </a:extLst>
           </p:cNvPr>
@@ -1597,7 +1597,7 @@
           <p:cNvPr id="4" name="内容占位符 3">
             <a:extLst>
               <a:ext uri="{FF2B5EF4-FFF2-40B4-BE49-F238E27FC236}">
-                <a16:creationId xmlns:a16="http://schemas.microsoft.com/office/drawing/2014/main" id="{6EF83E61-6E38-FFD4-2259-FE61C96E1C2A}"/>
+                <a16:creationId xmlns:a16="http://schemas.microsoft.com/office/drawing/2014/main" id="{45C2E85A-8E6E-A061-EE01-AB711D64BC2F}"/>
               </a:ext>
             </a:extLst>
           </p:cNvPr>
@@ -1659,7 +1659,7 @@
           <p:cNvPr id="5" name="文本占位符 4">
             <a:extLst>
               <a:ext uri="{FF2B5EF4-FFF2-40B4-BE49-F238E27FC236}">
-                <a16:creationId xmlns:a16="http://schemas.microsoft.com/office/drawing/2014/main" id="{3DD101B4-B9FE-538B-E2EA-24DF01DB00BA}"/>
+                <a16:creationId xmlns:a16="http://schemas.microsoft.com/office/drawing/2014/main" id="{BD90E33F-ED36-DABA-6860-B981785F718D}"/>
               </a:ext>
             </a:extLst>
           </p:cNvPr>
@@ -1730,7 +1730,7 @@
           <p:cNvPr id="6" name="内容占位符 5">
             <a:extLst>
               <a:ext uri="{FF2B5EF4-FFF2-40B4-BE49-F238E27FC236}">
-                <a16:creationId xmlns:a16="http://schemas.microsoft.com/office/drawing/2014/main" id="{75074393-D388-4D6B-A11F-B75F3489903F}"/>
+                <a16:creationId xmlns:a16="http://schemas.microsoft.com/office/drawing/2014/main" id="{8F87B0BD-26AB-DAE5-1541-DEB8DBB22019}"/>
               </a:ext>
             </a:extLst>
           </p:cNvPr>
@@ -1792,7 +1792,7 @@
           <p:cNvPr id="7" name="日期占位符 6">
             <a:extLst>
               <a:ext uri="{FF2B5EF4-FFF2-40B4-BE49-F238E27FC236}">
-                <a16:creationId xmlns:a16="http://schemas.microsoft.com/office/drawing/2014/main" id="{BC4D3140-F18F-278F-83E3-00A0A0B5E73F}"/>
+                <a16:creationId xmlns:a16="http://schemas.microsoft.com/office/drawing/2014/main" id="{DCDC72BC-D079-0D08-BE96-86E62C67BD7A}"/>
               </a:ext>
             </a:extLst>
           </p:cNvPr>
@@ -1808,7 +1808,7 @@
           <a:bodyPr/>
           <a:lstStyle/>
           <a:p>
-            <a:fld id="{F65F6224-5100-461C-9026-2C6E00DF664D}" type="datetimeFigureOut">
+            <a:fld id="{E8AC6BC0-7A25-4048-959C-1464B29A619D}" type="datetimeFigureOut">
               <a:rPr lang="zh-CN" altLang="en-US" smtClean="0"/>
               <a:t>2024/3/10</a:t>
             </a:fld>
@@ -1821,7 +1821,7 @@
           <p:cNvPr id="8" name="页脚占位符 7">
             <a:extLst>
               <a:ext uri="{FF2B5EF4-FFF2-40B4-BE49-F238E27FC236}">
-                <a16:creationId xmlns:a16="http://schemas.microsoft.com/office/drawing/2014/main" id="{8ED649E6-C413-B5FA-441F-21B710F55886}"/>
+                <a16:creationId xmlns:a16="http://schemas.microsoft.com/office/drawing/2014/main" id="{685D8ED9-9D81-5764-C43E-F33D308089D9}"/>
               </a:ext>
             </a:extLst>
           </p:cNvPr>
@@ -1846,7 +1846,7 @@
           <p:cNvPr id="9" name="灯片编号占位符 8">
             <a:extLst>
               <a:ext uri="{FF2B5EF4-FFF2-40B4-BE49-F238E27FC236}">
-                <a16:creationId xmlns:a16="http://schemas.microsoft.com/office/drawing/2014/main" id="{C6227595-8C05-4C97-C4A7-CAED3CC0465A}"/>
+                <a16:creationId xmlns:a16="http://schemas.microsoft.com/office/drawing/2014/main" id="{821540AB-03F9-AA30-AA54-80BC7BEDEAC8}"/>
               </a:ext>
             </a:extLst>
           </p:cNvPr>
@@ -1862,7 +1862,7 @@
           <a:bodyPr/>
           <a:lstStyle/>
           <a:p>
-            <a:fld id="{BDAC9E80-46D7-4306-BAE6-8FF668BDE8E5}" type="slidenum">
+            <a:fld id="{97D8B698-5660-4C79-B6D9-69F3210AA439}" type="slidenum">
               <a:rPr lang="zh-CN" altLang="en-US" smtClean="0"/>
               <a:t>‹#›</a:t>
             </a:fld>
@@ -1873,7 +1873,7 @@
     </p:spTree>
     <p:extLst>
       <p:ext uri="{BB962C8B-B14F-4D97-AF65-F5344CB8AC3E}">
-        <p14:creationId xmlns:p14="http://schemas.microsoft.com/office/powerpoint/2010/main" val="1801613503"/>
+        <p14:creationId xmlns:p14="http://schemas.microsoft.com/office/powerpoint/2010/main" val="728035640"/>
       </p:ext>
     </p:extLst>
   </p:cSld>
@@ -1905,7 +1905,7 @@
           <p:cNvPr id="2" name="标题 1">
             <a:extLst>
               <a:ext uri="{FF2B5EF4-FFF2-40B4-BE49-F238E27FC236}">
-                <a16:creationId xmlns:a16="http://schemas.microsoft.com/office/drawing/2014/main" id="{8D8A889B-925B-C944-842B-DD20CEB7E04E}"/>
+                <a16:creationId xmlns:a16="http://schemas.microsoft.com/office/drawing/2014/main" id="{57FD593E-34CF-9713-02BE-D9C9EBDAF167}"/>
               </a:ext>
             </a:extLst>
           </p:cNvPr>
@@ -1933,7 +1933,7 @@
           <p:cNvPr id="3" name="日期占位符 2">
             <a:extLst>
               <a:ext uri="{FF2B5EF4-FFF2-40B4-BE49-F238E27FC236}">
-                <a16:creationId xmlns:a16="http://schemas.microsoft.com/office/drawing/2014/main" id="{126E13BA-40C1-6D93-04D9-9FAB54E4002C}"/>
+                <a16:creationId xmlns:a16="http://schemas.microsoft.com/office/drawing/2014/main" id="{626EE9FD-F9CB-A395-D035-ACE08B6A99FC}"/>
               </a:ext>
             </a:extLst>
           </p:cNvPr>
@@ -1949,7 +1949,7 @@
           <a:bodyPr/>
           <a:lstStyle/>
           <a:p>
-            <a:fld id="{F65F6224-5100-461C-9026-2C6E00DF664D}" type="datetimeFigureOut">
+            <a:fld id="{E8AC6BC0-7A25-4048-959C-1464B29A619D}" type="datetimeFigureOut">
               <a:rPr lang="zh-CN" altLang="en-US" smtClean="0"/>
               <a:t>2024/3/10</a:t>
             </a:fld>
@@ -1962,7 +1962,7 @@
           <p:cNvPr id="4" name="页脚占位符 3">
             <a:extLst>
               <a:ext uri="{FF2B5EF4-FFF2-40B4-BE49-F238E27FC236}">
-                <a16:creationId xmlns:a16="http://schemas.microsoft.com/office/drawing/2014/main" id="{65C7FF0D-38FC-5DEE-6FFC-BB591CA42453}"/>
+                <a16:creationId xmlns:a16="http://schemas.microsoft.com/office/drawing/2014/main" id="{E91A2CA1-A6D4-2AB4-7219-AB4C7B8C5C1D}"/>
               </a:ext>
             </a:extLst>
           </p:cNvPr>
@@ -1987,7 +1987,7 @@
           <p:cNvPr id="5" name="灯片编号占位符 4">
             <a:extLst>
               <a:ext uri="{FF2B5EF4-FFF2-40B4-BE49-F238E27FC236}">
-                <a16:creationId xmlns:a16="http://schemas.microsoft.com/office/drawing/2014/main" id="{EB78B3D3-A4BD-8851-D1DF-E536296EA4C3}"/>
+                <a16:creationId xmlns:a16="http://schemas.microsoft.com/office/drawing/2014/main" id="{E886E515-EED0-21EF-7B1A-9D59F889979C}"/>
               </a:ext>
             </a:extLst>
           </p:cNvPr>
@@ -2003,7 +2003,7 @@
           <a:bodyPr/>
           <a:lstStyle/>
           <a:p>
-            <a:fld id="{BDAC9E80-46D7-4306-BAE6-8FF668BDE8E5}" type="slidenum">
+            <a:fld id="{97D8B698-5660-4C79-B6D9-69F3210AA439}" type="slidenum">
               <a:rPr lang="zh-CN" altLang="en-US" smtClean="0"/>
               <a:t>‹#›</a:t>
             </a:fld>
@@ -2014,7 +2014,7 @@
     </p:spTree>
     <p:extLst>
       <p:ext uri="{BB962C8B-B14F-4D97-AF65-F5344CB8AC3E}">
-        <p14:creationId xmlns:p14="http://schemas.microsoft.com/office/powerpoint/2010/main" val="3649026010"/>
+        <p14:creationId xmlns:p14="http://schemas.microsoft.com/office/powerpoint/2010/main" val="694141201"/>
       </p:ext>
     </p:extLst>
   </p:cSld>
@@ -2046,7 +2046,7 @@
           <p:cNvPr id="2" name="日期占位符 1">
             <a:extLst>
               <a:ext uri="{FF2B5EF4-FFF2-40B4-BE49-F238E27FC236}">
-                <a16:creationId xmlns:a16="http://schemas.microsoft.com/office/drawing/2014/main" id="{B3C30E5F-3A4C-106E-5C1B-CE9E09B3F65E}"/>
+                <a16:creationId xmlns:a16="http://schemas.microsoft.com/office/drawing/2014/main" id="{AD472F2C-386D-6D6C-1E79-2C43FD9E727B}"/>
               </a:ext>
             </a:extLst>
           </p:cNvPr>
@@ -2062,7 +2062,7 @@
           <a:bodyPr/>
           <a:lstStyle/>
           <a:p>
-            <a:fld id="{F65F6224-5100-461C-9026-2C6E00DF664D}" type="datetimeFigureOut">
+            <a:fld id="{E8AC6BC0-7A25-4048-959C-1464B29A619D}" type="datetimeFigureOut">
               <a:rPr lang="zh-CN" altLang="en-US" smtClean="0"/>
               <a:t>2024/3/10</a:t>
             </a:fld>
@@ -2075,7 +2075,7 @@
           <p:cNvPr id="3" name="页脚占位符 2">
             <a:extLst>
               <a:ext uri="{FF2B5EF4-FFF2-40B4-BE49-F238E27FC236}">
-                <a16:creationId xmlns:a16="http://schemas.microsoft.com/office/drawing/2014/main" id="{B23E7564-7861-9756-AFEF-EE8C3EB4098B}"/>
+                <a16:creationId xmlns:a16="http://schemas.microsoft.com/office/drawing/2014/main" id="{8DA33942-F84F-B841-AF4D-8011276AE106}"/>
               </a:ext>
             </a:extLst>
           </p:cNvPr>
@@ -2100,7 +2100,7 @@
           <p:cNvPr id="4" name="灯片编号占位符 3">
             <a:extLst>
               <a:ext uri="{FF2B5EF4-FFF2-40B4-BE49-F238E27FC236}">
-                <a16:creationId xmlns:a16="http://schemas.microsoft.com/office/drawing/2014/main" id="{366C55EB-DF4D-C662-5B73-5EB60FCA862B}"/>
+                <a16:creationId xmlns:a16="http://schemas.microsoft.com/office/drawing/2014/main" id="{EF8BF3E5-849C-C686-786F-9BF4C1306C26}"/>
               </a:ext>
             </a:extLst>
           </p:cNvPr>
@@ -2116,7 +2116,7 @@
           <a:bodyPr/>
           <a:lstStyle/>
           <a:p>
-            <a:fld id="{BDAC9E80-46D7-4306-BAE6-8FF668BDE8E5}" type="slidenum">
+            <a:fld id="{97D8B698-5660-4C79-B6D9-69F3210AA439}" type="slidenum">
               <a:rPr lang="zh-CN" altLang="en-US" smtClean="0"/>
               <a:t>‹#›</a:t>
             </a:fld>
@@ -2127,7 +2127,7 @@
     </p:spTree>
     <p:extLst>
       <p:ext uri="{BB962C8B-B14F-4D97-AF65-F5344CB8AC3E}">
-        <p14:creationId xmlns:p14="http://schemas.microsoft.com/office/powerpoint/2010/main" val="3342721468"/>
+        <p14:creationId xmlns:p14="http://schemas.microsoft.com/office/powerpoint/2010/main" val="13767826"/>
       </p:ext>
     </p:extLst>
   </p:cSld>
@@ -2159,7 +2159,7 @@
           <p:cNvPr id="2" name="标题 1">
             <a:extLst>
               <a:ext uri="{FF2B5EF4-FFF2-40B4-BE49-F238E27FC236}">
-                <a16:creationId xmlns:a16="http://schemas.microsoft.com/office/drawing/2014/main" id="{48C57AD3-53D0-A804-AB7D-B13A28555E7A}"/>
+                <a16:creationId xmlns:a16="http://schemas.microsoft.com/office/drawing/2014/main" id="{F9BD67F3-B6CB-5DDA-08B6-2565BF75CA67}"/>
               </a:ext>
             </a:extLst>
           </p:cNvPr>
@@ -2196,7 +2196,7 @@
           <p:cNvPr id="3" name="内容占位符 2">
             <a:extLst>
               <a:ext uri="{FF2B5EF4-FFF2-40B4-BE49-F238E27FC236}">
-                <a16:creationId xmlns:a16="http://schemas.microsoft.com/office/drawing/2014/main" id="{32A0C8A7-6EB1-EFF5-502F-912A510662F4}"/>
+                <a16:creationId xmlns:a16="http://schemas.microsoft.com/office/drawing/2014/main" id="{B3D219B5-ADAB-C988-6DB7-5C5485236022}"/>
               </a:ext>
             </a:extLst>
           </p:cNvPr>
@@ -2286,7 +2286,7 @@
           <p:cNvPr id="4" name="文本占位符 3">
             <a:extLst>
               <a:ext uri="{FF2B5EF4-FFF2-40B4-BE49-F238E27FC236}">
-                <a16:creationId xmlns:a16="http://schemas.microsoft.com/office/drawing/2014/main" id="{DCBF13AE-A02F-A389-9FEE-508035B96F42}"/>
+                <a16:creationId xmlns:a16="http://schemas.microsoft.com/office/drawing/2014/main" id="{7A137D74-246C-C1F5-2F4C-5B976F58E104}"/>
               </a:ext>
             </a:extLst>
           </p:cNvPr>
@@ -2357,7 +2357,7 @@
           <p:cNvPr id="5" name="日期占位符 4">
             <a:extLst>
               <a:ext uri="{FF2B5EF4-FFF2-40B4-BE49-F238E27FC236}">
-                <a16:creationId xmlns:a16="http://schemas.microsoft.com/office/drawing/2014/main" id="{F45E55D2-BBBC-047A-4123-428A122256EB}"/>
+                <a16:creationId xmlns:a16="http://schemas.microsoft.com/office/drawing/2014/main" id="{23CC355B-9E57-383B-9AED-8EBFE3610F0C}"/>
               </a:ext>
             </a:extLst>
           </p:cNvPr>
@@ -2373,7 +2373,7 @@
           <a:bodyPr/>
           <a:lstStyle/>
           <a:p>
-            <a:fld id="{F65F6224-5100-461C-9026-2C6E00DF664D}" type="datetimeFigureOut">
+            <a:fld id="{E8AC6BC0-7A25-4048-959C-1464B29A619D}" type="datetimeFigureOut">
               <a:rPr lang="zh-CN" altLang="en-US" smtClean="0"/>
               <a:t>2024/3/10</a:t>
             </a:fld>
@@ -2386,7 +2386,7 @@
           <p:cNvPr id="6" name="页脚占位符 5">
             <a:extLst>
               <a:ext uri="{FF2B5EF4-FFF2-40B4-BE49-F238E27FC236}">
-                <a16:creationId xmlns:a16="http://schemas.microsoft.com/office/drawing/2014/main" id="{436F9801-6C72-354B-AD24-D11F01210110}"/>
+                <a16:creationId xmlns:a16="http://schemas.microsoft.com/office/drawing/2014/main" id="{8450A116-731E-34A1-D317-3B88B84A2686}"/>
               </a:ext>
             </a:extLst>
           </p:cNvPr>
@@ -2411,7 +2411,7 @@
           <p:cNvPr id="7" name="灯片编号占位符 6">
             <a:extLst>
               <a:ext uri="{FF2B5EF4-FFF2-40B4-BE49-F238E27FC236}">
-                <a16:creationId xmlns:a16="http://schemas.microsoft.com/office/drawing/2014/main" id="{B3BCBD3C-A42B-D88F-5CBC-88055FDF8791}"/>
+                <a16:creationId xmlns:a16="http://schemas.microsoft.com/office/drawing/2014/main" id="{2AFC6156-A3AB-A0E9-7DEA-C65926BCCACC}"/>
               </a:ext>
             </a:extLst>
           </p:cNvPr>
@@ -2427,7 +2427,7 @@
           <a:bodyPr/>
           <a:lstStyle/>
           <a:p>
-            <a:fld id="{BDAC9E80-46D7-4306-BAE6-8FF668BDE8E5}" type="slidenum">
+            <a:fld id="{97D8B698-5660-4C79-B6D9-69F3210AA439}" type="slidenum">
               <a:rPr lang="zh-CN" altLang="en-US" smtClean="0"/>
               <a:t>‹#›</a:t>
             </a:fld>
@@ -2438,7 +2438,7 @@
     </p:spTree>
     <p:extLst>
       <p:ext uri="{BB962C8B-B14F-4D97-AF65-F5344CB8AC3E}">
-        <p14:creationId xmlns:p14="http://schemas.microsoft.com/office/powerpoint/2010/main" val="3767292387"/>
+        <p14:creationId xmlns:p14="http://schemas.microsoft.com/office/powerpoint/2010/main" val="2156453159"/>
       </p:ext>
     </p:extLst>
   </p:cSld>
@@ -2470,7 +2470,7 @@
           <p:cNvPr id="2" name="标题 1">
             <a:extLst>
               <a:ext uri="{FF2B5EF4-FFF2-40B4-BE49-F238E27FC236}">
-                <a16:creationId xmlns:a16="http://schemas.microsoft.com/office/drawing/2014/main" id="{E6511AE5-626C-3F12-F971-3A42CE9B3A24}"/>
+                <a16:creationId xmlns:a16="http://schemas.microsoft.com/office/drawing/2014/main" id="{1C3599AB-35ED-9372-0187-4CB8D672F9FA}"/>
               </a:ext>
             </a:extLst>
           </p:cNvPr>
@@ -2507,7 +2507,7 @@
           <p:cNvPr id="3" name="图片占位符 2">
             <a:extLst>
               <a:ext uri="{FF2B5EF4-FFF2-40B4-BE49-F238E27FC236}">
-                <a16:creationId xmlns:a16="http://schemas.microsoft.com/office/drawing/2014/main" id="{341948DF-829C-712F-D0CC-C5B440E03E29}"/>
+                <a16:creationId xmlns:a16="http://schemas.microsoft.com/office/drawing/2014/main" id="{9C62BFDD-42FD-EA53-C417-48AF40FBB98E}"/>
               </a:ext>
             </a:extLst>
           </p:cNvPr>
@@ -2574,7 +2574,7 @@
           <p:cNvPr id="4" name="文本占位符 3">
             <a:extLst>
               <a:ext uri="{FF2B5EF4-FFF2-40B4-BE49-F238E27FC236}">
-                <a16:creationId xmlns:a16="http://schemas.microsoft.com/office/drawing/2014/main" id="{2ECBDDA3-B5B2-6AB8-09E7-B71D133E22DC}"/>
+                <a16:creationId xmlns:a16="http://schemas.microsoft.com/office/drawing/2014/main" id="{034B01BE-AFF7-C06C-1B10-56F824A454FB}"/>
               </a:ext>
             </a:extLst>
           </p:cNvPr>
@@ -2645,7 +2645,7 @@
           <p:cNvPr id="5" name="日期占位符 4">
             <a:extLst>
               <a:ext uri="{FF2B5EF4-FFF2-40B4-BE49-F238E27FC236}">
-                <a16:creationId xmlns:a16="http://schemas.microsoft.com/office/drawing/2014/main" id="{76BE38D2-B83A-2940-8272-3AB580F0E43B}"/>
+                <a16:creationId xmlns:a16="http://schemas.microsoft.com/office/drawing/2014/main" id="{2CB8E4DB-6D08-0A10-397C-6C7699ECA08E}"/>
               </a:ext>
             </a:extLst>
           </p:cNvPr>
@@ -2661,7 +2661,7 @@
           <a:bodyPr/>
           <a:lstStyle/>
           <a:p>
-            <a:fld id="{F65F6224-5100-461C-9026-2C6E00DF664D}" type="datetimeFigureOut">
+            <a:fld id="{E8AC6BC0-7A25-4048-959C-1464B29A619D}" type="datetimeFigureOut">
               <a:rPr lang="zh-CN" altLang="en-US" smtClean="0"/>
               <a:t>2024/3/10</a:t>
             </a:fld>
@@ -2674,7 +2674,7 @@
           <p:cNvPr id="6" name="页脚占位符 5">
             <a:extLst>
               <a:ext uri="{FF2B5EF4-FFF2-40B4-BE49-F238E27FC236}">
-                <a16:creationId xmlns:a16="http://schemas.microsoft.com/office/drawing/2014/main" id="{0DCF0D2E-1F7D-1A1E-B309-51D324581647}"/>
+                <a16:creationId xmlns:a16="http://schemas.microsoft.com/office/drawing/2014/main" id="{631B3923-470F-1483-8B0F-7616B1CE8855}"/>
               </a:ext>
             </a:extLst>
           </p:cNvPr>
@@ -2699,7 +2699,7 @@
           <p:cNvPr id="7" name="灯片编号占位符 6">
             <a:extLst>
               <a:ext uri="{FF2B5EF4-FFF2-40B4-BE49-F238E27FC236}">
-                <a16:creationId xmlns:a16="http://schemas.microsoft.com/office/drawing/2014/main" id="{E7E5F949-7911-6DB8-5F7B-24A2EE8F9BBC}"/>
+                <a16:creationId xmlns:a16="http://schemas.microsoft.com/office/drawing/2014/main" id="{C598A89E-85A2-6F84-5028-EBE9FBA6DC73}"/>
               </a:ext>
             </a:extLst>
           </p:cNvPr>
@@ -2715,7 +2715,7 @@
           <a:bodyPr/>
           <a:lstStyle/>
           <a:p>
-            <a:fld id="{BDAC9E80-46D7-4306-BAE6-8FF668BDE8E5}" type="slidenum">
+            <a:fld id="{97D8B698-5660-4C79-B6D9-69F3210AA439}" type="slidenum">
               <a:rPr lang="zh-CN" altLang="en-US" smtClean="0"/>
               <a:t>‹#›</a:t>
             </a:fld>
@@ -2726,7 +2726,7 @@
     </p:spTree>
     <p:extLst>
       <p:ext uri="{BB962C8B-B14F-4D97-AF65-F5344CB8AC3E}">
-        <p14:creationId xmlns:p14="http://schemas.microsoft.com/office/powerpoint/2010/main" val="1165903411"/>
+        <p14:creationId xmlns:p14="http://schemas.microsoft.com/office/powerpoint/2010/main" val="1863627295"/>
       </p:ext>
     </p:extLst>
   </p:cSld>
@@ -2763,7 +2763,7 @@
           <p:cNvPr id="2" name="标题占位符 1">
             <a:extLst>
               <a:ext uri="{FF2B5EF4-FFF2-40B4-BE49-F238E27FC236}">
-                <a16:creationId xmlns:a16="http://schemas.microsoft.com/office/drawing/2014/main" id="{AFA6DEFF-48C4-885D-5304-E20E8C95875B}"/>
+                <a16:creationId xmlns:a16="http://schemas.microsoft.com/office/drawing/2014/main" id="{50027C12-7CDA-7323-137E-31BA61884E0F}"/>
               </a:ext>
             </a:extLst>
           </p:cNvPr>
@@ -2801,7 +2801,7 @@
           <p:cNvPr id="3" name="文本占位符 2">
             <a:extLst>
               <a:ext uri="{FF2B5EF4-FFF2-40B4-BE49-F238E27FC236}">
-                <a16:creationId xmlns:a16="http://schemas.microsoft.com/office/drawing/2014/main" id="{14E11CD4-218C-128A-CAD9-E377E4FD8240}"/>
+                <a16:creationId xmlns:a16="http://schemas.microsoft.com/office/drawing/2014/main" id="{82E9DDF2-A5B3-F19D-53E8-6E808C7B752D}"/>
               </a:ext>
             </a:extLst>
           </p:cNvPr>
@@ -2868,7 +2868,7 @@
           <p:cNvPr id="4" name="日期占位符 3">
             <a:extLst>
               <a:ext uri="{FF2B5EF4-FFF2-40B4-BE49-F238E27FC236}">
-                <a16:creationId xmlns:a16="http://schemas.microsoft.com/office/drawing/2014/main" id="{AA07FBCB-3B9A-A28F-F127-3CD7E8B45D9A}"/>
+                <a16:creationId xmlns:a16="http://schemas.microsoft.com/office/drawing/2014/main" id="{725D0833-8C07-7B24-4BF3-30EA48ED119F}"/>
               </a:ext>
             </a:extLst>
           </p:cNvPr>
@@ -2902,7 +2902,7 @@
             </a:lvl1pPr>
           </a:lstStyle>
           <a:p>
-            <a:fld id="{F65F6224-5100-461C-9026-2C6E00DF664D}" type="datetimeFigureOut">
+            <a:fld id="{E8AC6BC0-7A25-4048-959C-1464B29A619D}" type="datetimeFigureOut">
               <a:rPr lang="zh-CN" altLang="en-US" smtClean="0"/>
               <a:t>2024/3/10</a:t>
             </a:fld>
@@ -2915,7 +2915,7 @@
           <p:cNvPr id="5" name="页脚占位符 4">
             <a:extLst>
               <a:ext uri="{FF2B5EF4-FFF2-40B4-BE49-F238E27FC236}">
-                <a16:creationId xmlns:a16="http://schemas.microsoft.com/office/drawing/2014/main" id="{0564D1D5-D60B-4EBF-F0CF-E7EE9BD3763B}"/>
+                <a16:creationId xmlns:a16="http://schemas.microsoft.com/office/drawing/2014/main" id="{4E3402B0-95E7-6D14-14C2-2EB7196D44BB}"/>
               </a:ext>
             </a:extLst>
           </p:cNvPr>
@@ -2958,7 +2958,7 @@
           <p:cNvPr id="6" name="灯片编号占位符 5">
             <a:extLst>
               <a:ext uri="{FF2B5EF4-FFF2-40B4-BE49-F238E27FC236}">
-                <a16:creationId xmlns:a16="http://schemas.microsoft.com/office/drawing/2014/main" id="{1136A95C-6466-5452-0D82-4206D1FCC58D}"/>
+                <a16:creationId xmlns:a16="http://schemas.microsoft.com/office/drawing/2014/main" id="{CFC520FC-8206-3035-2003-C428143221A9}"/>
               </a:ext>
             </a:extLst>
           </p:cNvPr>
@@ -2992,7 +2992,7 @@
             </a:lvl1pPr>
           </a:lstStyle>
           <a:p>
-            <a:fld id="{BDAC9E80-46D7-4306-BAE6-8FF668BDE8E5}" type="slidenum">
+            <a:fld id="{97D8B698-5660-4C79-B6D9-69F3210AA439}" type="slidenum">
               <a:rPr lang="zh-CN" altLang="en-US" smtClean="0"/>
               <a:t>‹#›</a:t>
             </a:fld>
@@ -3003,7 +3003,7 @@
     </p:spTree>
     <p:extLst>
       <p:ext uri="{BB962C8B-B14F-4D97-AF65-F5344CB8AC3E}">
-        <p14:creationId xmlns:p14="http://schemas.microsoft.com/office/powerpoint/2010/main" val="1544602597"/>
+        <p14:creationId xmlns:p14="http://schemas.microsoft.com/office/powerpoint/2010/main" val="1996249328"/>
       </p:ext>
     </p:extLst>
   </p:cSld>
